--- a/branching.pptx
+++ b/branching.pptx
@@ -126,6 +126,184 @@
 </p:presentation>
 </file>
 
+<file path=ppt/changesInfos/changesInfo1.xml><?xml version="1.0" encoding="utf-8"?>
+<pc:chgInfo xmlns:a="http://schemas.openxmlformats.org/drawingml/2006/main" xmlns:r="http://schemas.openxmlformats.org/officeDocument/2006/relationships" xmlns:ac="http://schemas.microsoft.com/office/drawing/2013/main/command" xmlns:pc="http://schemas.microsoft.com/office/powerpoint/2013/main/command">
+  <pc:docChgLst>
+    <pc:chgData name="Elliott Schmidt" userId="7d7bc755-a82b-4542-b81e-1920d1eab289" providerId="ADAL" clId="{D0489888-16B1-4DA0-A1C3-C7057EA4E511}"/>
+    <pc:docChg chg="modSld">
+      <pc:chgData name="Elliott Schmidt" userId="7d7bc755-a82b-4542-b81e-1920d1eab289" providerId="ADAL" clId="{D0489888-16B1-4DA0-A1C3-C7057EA4E511}" dt="2022-04-02T09:14:39.866" v="5" actId="1076"/>
+      <pc:docMkLst>
+        <pc:docMk/>
+      </pc:docMkLst>
+      <pc:sldChg chg="modSp mod">
+        <pc:chgData name="Elliott Schmidt" userId="7d7bc755-a82b-4542-b81e-1920d1eab289" providerId="ADAL" clId="{D0489888-16B1-4DA0-A1C3-C7057EA4E511}" dt="2022-04-02T09:14:39.866" v="5" actId="1076"/>
+        <pc:sldMkLst>
+          <pc:docMk/>
+          <pc:sldMk cId="1276665893" sldId="256"/>
+        </pc:sldMkLst>
+        <pc:spChg chg="mod">
+          <ac:chgData name="Elliott Schmidt" userId="7d7bc755-a82b-4542-b81e-1920d1eab289" providerId="ADAL" clId="{D0489888-16B1-4DA0-A1C3-C7057EA4E511}" dt="2022-04-02T09:14:39.866" v="5" actId="1076"/>
+          <ac:spMkLst>
+            <pc:docMk/>
+            <pc:sldMk cId="1276665893" sldId="256"/>
+            <ac:spMk id="5" creationId="{5491763C-B267-4ED2-A41E-AE0A8BD17941}"/>
+          </ac:spMkLst>
+        </pc:spChg>
+        <pc:grpChg chg="mod">
+          <ac:chgData name="Elliott Schmidt" userId="7d7bc755-a82b-4542-b81e-1920d1eab289" providerId="ADAL" clId="{D0489888-16B1-4DA0-A1C3-C7057EA4E511}" dt="2022-04-02T09:14:39.866" v="5" actId="1076"/>
+          <ac:grpSpMkLst>
+            <pc:docMk/>
+            <pc:sldMk cId="1276665893" sldId="256"/>
+            <ac:grpSpMk id="7" creationId="{984427A5-CD43-43CA-B0E4-5DCDD21F6263}"/>
+          </ac:grpSpMkLst>
+        </pc:grpChg>
+        <pc:grpChg chg="mod">
+          <ac:chgData name="Elliott Schmidt" userId="7d7bc755-a82b-4542-b81e-1920d1eab289" providerId="ADAL" clId="{D0489888-16B1-4DA0-A1C3-C7057EA4E511}" dt="2022-04-02T09:14:39.866" v="5" actId="1076"/>
+          <ac:grpSpMkLst>
+            <pc:docMk/>
+            <pc:sldMk cId="1276665893" sldId="256"/>
+            <ac:grpSpMk id="11" creationId="{E47654E8-3A18-464F-97AA-98C26CDF2408}"/>
+          </ac:grpSpMkLst>
+        </pc:grpChg>
+        <pc:grpChg chg="mod">
+          <ac:chgData name="Elliott Schmidt" userId="7d7bc755-a82b-4542-b81e-1920d1eab289" providerId="ADAL" clId="{D0489888-16B1-4DA0-A1C3-C7057EA4E511}" dt="2022-04-02T09:14:39.866" v="5" actId="1076"/>
+          <ac:grpSpMkLst>
+            <pc:docMk/>
+            <pc:sldMk cId="1276665893" sldId="256"/>
+            <ac:grpSpMk id="14" creationId="{8F55B6EE-AF2F-4F65-99FA-D2DACA9D4139}"/>
+          </ac:grpSpMkLst>
+        </pc:grpChg>
+        <pc:grpChg chg="mod">
+          <ac:chgData name="Elliott Schmidt" userId="7d7bc755-a82b-4542-b81e-1920d1eab289" providerId="ADAL" clId="{D0489888-16B1-4DA0-A1C3-C7057EA4E511}" dt="2022-04-02T09:14:39.866" v="5" actId="1076"/>
+          <ac:grpSpMkLst>
+            <pc:docMk/>
+            <pc:sldMk cId="1276665893" sldId="256"/>
+            <ac:grpSpMk id="66" creationId="{62FCFE4F-75A8-4C1E-9441-8DA3D2C81C20}"/>
+          </ac:grpSpMkLst>
+        </pc:grpChg>
+        <pc:grpChg chg="mod">
+          <ac:chgData name="Elliott Schmidt" userId="7d7bc755-a82b-4542-b81e-1920d1eab289" providerId="ADAL" clId="{D0489888-16B1-4DA0-A1C3-C7057EA4E511}" dt="2022-04-02T09:14:39.866" v="5" actId="1076"/>
+          <ac:grpSpMkLst>
+            <pc:docMk/>
+            <pc:sldMk cId="1276665893" sldId="256"/>
+            <ac:grpSpMk id="69" creationId="{22AAF9CE-5F92-4413-9810-51FD9CC611A3}"/>
+          </ac:grpSpMkLst>
+        </pc:grpChg>
+        <pc:grpChg chg="mod">
+          <ac:chgData name="Elliott Schmidt" userId="7d7bc755-a82b-4542-b81e-1920d1eab289" providerId="ADAL" clId="{D0489888-16B1-4DA0-A1C3-C7057EA4E511}" dt="2022-04-02T09:14:39.866" v="5" actId="1076"/>
+          <ac:grpSpMkLst>
+            <pc:docMk/>
+            <pc:sldMk cId="1276665893" sldId="256"/>
+            <ac:grpSpMk id="72" creationId="{DB58857A-3843-4F53-B704-DFAE72707BAC}"/>
+          </ac:grpSpMkLst>
+        </pc:grpChg>
+        <pc:picChg chg="mod">
+          <ac:chgData name="Elliott Schmidt" userId="7d7bc755-a82b-4542-b81e-1920d1eab289" providerId="ADAL" clId="{D0489888-16B1-4DA0-A1C3-C7057EA4E511}" dt="2022-04-02T09:14:39.866" v="5" actId="1076"/>
+          <ac:picMkLst>
+            <pc:docMk/>
+            <pc:sldMk cId="1276665893" sldId="256"/>
+            <ac:picMk id="76" creationId="{AA873106-056E-4AEF-83EA-E84E24635929}"/>
+          </ac:picMkLst>
+        </pc:picChg>
+        <pc:picChg chg="mod">
+          <ac:chgData name="Elliott Schmidt" userId="7d7bc755-a82b-4542-b81e-1920d1eab289" providerId="ADAL" clId="{D0489888-16B1-4DA0-A1C3-C7057EA4E511}" dt="2022-04-02T09:14:39.866" v="5" actId="1076"/>
+          <ac:picMkLst>
+            <pc:docMk/>
+            <pc:sldMk cId="1276665893" sldId="256"/>
+            <ac:picMk id="77" creationId="{F1D9A341-DC39-4102-AD67-6DAB6A4C2C11}"/>
+          </ac:picMkLst>
+        </pc:picChg>
+        <pc:picChg chg="mod">
+          <ac:chgData name="Elliott Schmidt" userId="7d7bc755-a82b-4542-b81e-1920d1eab289" providerId="ADAL" clId="{D0489888-16B1-4DA0-A1C3-C7057EA4E511}" dt="2022-04-02T09:14:39.866" v="5" actId="1076"/>
+          <ac:picMkLst>
+            <pc:docMk/>
+            <pc:sldMk cId="1276665893" sldId="256"/>
+            <ac:picMk id="78" creationId="{BD01F055-9A8D-443F-9BA2-D328143E6B20}"/>
+          </ac:picMkLst>
+        </pc:picChg>
+        <pc:picChg chg="mod">
+          <ac:chgData name="Elliott Schmidt" userId="7d7bc755-a82b-4542-b81e-1920d1eab289" providerId="ADAL" clId="{D0489888-16B1-4DA0-A1C3-C7057EA4E511}" dt="2022-04-02T09:14:39.866" v="5" actId="1076"/>
+          <ac:picMkLst>
+            <pc:docMk/>
+            <pc:sldMk cId="1276665893" sldId="256"/>
+            <ac:picMk id="79" creationId="{02BCFB20-1197-4711-BA46-F6EE136078C4}"/>
+          </ac:picMkLst>
+        </pc:picChg>
+        <pc:picChg chg="mod">
+          <ac:chgData name="Elliott Schmidt" userId="7d7bc755-a82b-4542-b81e-1920d1eab289" providerId="ADAL" clId="{D0489888-16B1-4DA0-A1C3-C7057EA4E511}" dt="2022-04-02T09:14:39.866" v="5" actId="1076"/>
+          <ac:picMkLst>
+            <pc:docMk/>
+            <pc:sldMk cId="1276665893" sldId="256"/>
+            <ac:picMk id="80" creationId="{270FE77B-9B28-46D5-80A2-C947FD3634A7}"/>
+          </ac:picMkLst>
+        </pc:picChg>
+        <pc:picChg chg="mod">
+          <ac:chgData name="Elliott Schmidt" userId="7d7bc755-a82b-4542-b81e-1920d1eab289" providerId="ADAL" clId="{D0489888-16B1-4DA0-A1C3-C7057EA4E511}" dt="2022-04-02T09:14:39.866" v="5" actId="1076"/>
+          <ac:picMkLst>
+            <pc:docMk/>
+            <pc:sldMk cId="1276665893" sldId="256"/>
+            <ac:picMk id="81" creationId="{AD342760-E28F-49BA-8FCB-FFB731DFB171}"/>
+          </ac:picMkLst>
+        </pc:picChg>
+      </pc:sldChg>
+      <pc:sldChg chg="modSp mod">
+        <pc:chgData name="Elliott Schmidt" userId="7d7bc755-a82b-4542-b81e-1920d1eab289" providerId="ADAL" clId="{D0489888-16B1-4DA0-A1C3-C7057EA4E511}" dt="2022-04-02T09:14:09.369" v="1" actId="1076"/>
+        <pc:sldMkLst>
+          <pc:docMk/>
+          <pc:sldMk cId="953261590" sldId="259"/>
+        </pc:sldMkLst>
+        <pc:picChg chg="mod">
+          <ac:chgData name="Elliott Schmidt" userId="7d7bc755-a82b-4542-b81e-1920d1eab289" providerId="ADAL" clId="{D0489888-16B1-4DA0-A1C3-C7057EA4E511}" dt="2022-04-02T09:14:05.232" v="0" actId="1076"/>
+          <ac:picMkLst>
+            <pc:docMk/>
+            <pc:sldMk cId="953261590" sldId="259"/>
+            <ac:picMk id="45" creationId="{C0086448-9A6B-4F62-9D0E-0637652E8F38}"/>
+          </ac:picMkLst>
+        </pc:picChg>
+        <pc:picChg chg="mod">
+          <ac:chgData name="Elliott Schmidt" userId="7d7bc755-a82b-4542-b81e-1920d1eab289" providerId="ADAL" clId="{D0489888-16B1-4DA0-A1C3-C7057EA4E511}" dt="2022-04-02T09:14:09.369" v="1" actId="1076"/>
+          <ac:picMkLst>
+            <pc:docMk/>
+            <pc:sldMk cId="953261590" sldId="259"/>
+            <ac:picMk id="47" creationId="{87C5A4C7-57AF-4F53-9D94-1A91AA504441}"/>
+          </ac:picMkLst>
+        </pc:picChg>
+      </pc:sldChg>
+      <pc:sldChg chg="modSp mod">
+        <pc:chgData name="Elliott Schmidt" userId="7d7bc755-a82b-4542-b81e-1920d1eab289" providerId="ADAL" clId="{D0489888-16B1-4DA0-A1C3-C7057EA4E511}" dt="2022-04-02T09:14:21.057" v="3" actId="1076"/>
+        <pc:sldMkLst>
+          <pc:docMk/>
+          <pc:sldMk cId="336973851" sldId="260"/>
+        </pc:sldMkLst>
+        <pc:picChg chg="mod">
+          <ac:chgData name="Elliott Schmidt" userId="7d7bc755-a82b-4542-b81e-1920d1eab289" providerId="ADAL" clId="{D0489888-16B1-4DA0-A1C3-C7057EA4E511}" dt="2022-04-02T09:14:21.057" v="3" actId="1076"/>
+          <ac:picMkLst>
+            <pc:docMk/>
+            <pc:sldMk cId="336973851" sldId="260"/>
+            <ac:picMk id="40" creationId="{D42F7091-5D0B-4D34-8B2A-FA3B2BBFED84}"/>
+          </ac:picMkLst>
+        </pc:picChg>
+      </pc:sldChg>
+      <pc:sldChg chg="modSp mod">
+        <pc:chgData name="Elliott Schmidt" userId="7d7bc755-a82b-4542-b81e-1920d1eab289" providerId="ADAL" clId="{D0489888-16B1-4DA0-A1C3-C7057EA4E511}" dt="2022-04-02T09:14:15.040" v="2" actId="1076"/>
+        <pc:sldMkLst>
+          <pc:docMk/>
+          <pc:sldMk cId="3575486285" sldId="261"/>
+        </pc:sldMkLst>
+        <pc:picChg chg="mod">
+          <ac:chgData name="Elliott Schmidt" userId="7d7bc755-a82b-4542-b81e-1920d1eab289" providerId="ADAL" clId="{D0489888-16B1-4DA0-A1C3-C7057EA4E511}" dt="2022-04-02T09:14:15.040" v="2" actId="1076"/>
+          <ac:picMkLst>
+            <pc:docMk/>
+            <pc:sldMk cId="3575486285" sldId="261"/>
+            <ac:picMk id="40" creationId="{D42F7091-5D0B-4D34-8B2A-FA3B2BBFED84}"/>
+          </ac:picMkLst>
+        </pc:picChg>
+      </pc:sldChg>
+    </pc:docChg>
+  </pc:docChgLst>
+</pc:chgInfo>
+</file>
+
 <file path=ppt/slideLayouts/slideLayout1.xml><?xml version="1.0" encoding="utf-8"?>
 <p:sldLayout xmlns:a="http://schemas.openxmlformats.org/drawingml/2006/main" xmlns:r="http://schemas.openxmlformats.org/officeDocument/2006/relationships" xmlns:p="http://schemas.openxmlformats.org/presentationml/2006/main" type="title" preserve="1">
   <p:cSld name="Title Slide">
@@ -311,7 +489,7 @@
           <a:p>
             <a:fld id="{A8A916C9-1FB0-45E8-9939-9E19182DD337}" type="datetimeFigureOut">
               <a:rPr lang="en-CA" smtClean="0"/>
-              <a:t>2022-04-01</a:t>
+              <a:t>2022-04-02</a:t>
             </a:fld>
             <a:endParaRPr lang="en-CA"/>
           </a:p>
@@ -609,7 +787,7 @@
           <a:p>
             <a:fld id="{A8A916C9-1FB0-45E8-9939-9E19182DD337}" type="datetimeFigureOut">
               <a:rPr lang="en-CA" smtClean="0"/>
-              <a:t>2022-04-01</a:t>
+              <a:t>2022-04-02</a:t>
             </a:fld>
             <a:endParaRPr lang="en-CA"/>
           </a:p>
@@ -801,7 +979,7 @@
           <a:p>
             <a:fld id="{A8A916C9-1FB0-45E8-9939-9E19182DD337}" type="datetimeFigureOut">
               <a:rPr lang="en-CA" smtClean="0"/>
-              <a:t>2022-04-01</a:t>
+              <a:t>2022-04-02</a:t>
             </a:fld>
             <a:endParaRPr lang="en-CA"/>
           </a:p>
@@ -1062,7 +1240,7 @@
           <a:p>
             <a:fld id="{A8A916C9-1FB0-45E8-9939-9E19182DD337}" type="datetimeFigureOut">
               <a:rPr lang="en-CA" smtClean="0"/>
-              <a:t>2022-04-01</a:t>
+              <a:t>2022-04-02</a:t>
             </a:fld>
             <a:endParaRPr lang="en-CA"/>
           </a:p>
@@ -1486,7 +1664,7 @@
           <a:p>
             <a:fld id="{A8A916C9-1FB0-45E8-9939-9E19182DD337}" type="datetimeFigureOut">
               <a:rPr lang="en-CA" smtClean="0"/>
-              <a:t>2022-04-01</a:t>
+              <a:t>2022-04-02</a:t>
             </a:fld>
             <a:endParaRPr lang="en-CA"/>
           </a:p>
@@ -2023,7 +2201,7 @@
           <a:p>
             <a:fld id="{A8A916C9-1FB0-45E8-9939-9E19182DD337}" type="datetimeFigureOut">
               <a:rPr lang="en-CA" smtClean="0"/>
-              <a:t>2022-04-01</a:t>
+              <a:t>2022-04-02</a:t>
             </a:fld>
             <a:endParaRPr lang="en-CA"/>
           </a:p>
@@ -2887,7 +3065,7 @@
           <a:p>
             <a:fld id="{A8A916C9-1FB0-45E8-9939-9E19182DD337}" type="datetimeFigureOut">
               <a:rPr lang="en-CA" smtClean="0"/>
-              <a:t>2022-04-01</a:t>
+              <a:t>2022-04-02</a:t>
             </a:fld>
             <a:endParaRPr lang="en-CA"/>
           </a:p>
@@ -3057,7 +3235,7 @@
           <a:p>
             <a:fld id="{A8A916C9-1FB0-45E8-9939-9E19182DD337}" type="datetimeFigureOut">
               <a:rPr lang="en-CA" smtClean="0"/>
-              <a:t>2022-04-01</a:t>
+              <a:t>2022-04-02</a:t>
             </a:fld>
             <a:endParaRPr lang="en-CA"/>
           </a:p>
@@ -3241,7 +3419,7 @@
           <a:p>
             <a:fld id="{A8A916C9-1FB0-45E8-9939-9E19182DD337}" type="datetimeFigureOut">
               <a:rPr lang="en-CA" smtClean="0"/>
-              <a:t>2022-04-01</a:t>
+              <a:t>2022-04-02</a:t>
             </a:fld>
             <a:endParaRPr lang="en-CA"/>
           </a:p>
@@ -3411,7 +3589,7 @@
           <a:p>
             <a:fld id="{A8A916C9-1FB0-45E8-9939-9E19182DD337}" type="datetimeFigureOut">
               <a:rPr lang="en-CA" smtClean="0"/>
-              <a:t>2022-04-01</a:t>
+              <a:t>2022-04-02</a:t>
             </a:fld>
             <a:endParaRPr lang="en-CA"/>
           </a:p>
@@ -3655,7 +3833,7 @@
           <a:p>
             <a:fld id="{A8A916C9-1FB0-45E8-9939-9E19182DD337}" type="datetimeFigureOut">
               <a:rPr lang="en-CA" smtClean="0"/>
-              <a:t>2022-04-01</a:t>
+              <a:t>2022-04-02</a:t>
             </a:fld>
             <a:endParaRPr lang="en-CA"/>
           </a:p>
@@ -3891,7 +4069,7 @@
           <a:p>
             <a:fld id="{A8A916C9-1FB0-45E8-9939-9E19182DD337}" type="datetimeFigureOut">
               <a:rPr lang="en-CA" smtClean="0"/>
-              <a:t>2022-04-01</a:t>
+              <a:t>2022-04-02</a:t>
             </a:fld>
             <a:endParaRPr lang="en-CA"/>
           </a:p>
@@ -4357,7 +4535,7 @@
           <a:p>
             <a:fld id="{A8A916C9-1FB0-45E8-9939-9E19182DD337}" type="datetimeFigureOut">
               <a:rPr lang="en-CA" smtClean="0"/>
-              <a:t>2022-04-01</a:t>
+              <a:t>2022-04-02</a:t>
             </a:fld>
             <a:endParaRPr lang="en-CA"/>
           </a:p>
@@ -4475,7 +4653,7 @@
           <a:p>
             <a:fld id="{A8A916C9-1FB0-45E8-9939-9E19182DD337}" type="datetimeFigureOut">
               <a:rPr lang="en-CA" smtClean="0"/>
-              <a:t>2022-04-01</a:t>
+              <a:t>2022-04-02</a:t>
             </a:fld>
             <a:endParaRPr lang="en-CA"/>
           </a:p>
@@ -4570,7 +4748,7 @@
           <a:p>
             <a:fld id="{A8A916C9-1FB0-45E8-9939-9E19182DD337}" type="datetimeFigureOut">
               <a:rPr lang="en-CA" smtClean="0"/>
-              <a:t>2022-04-01</a:t>
+              <a:t>2022-04-02</a:t>
             </a:fld>
             <a:endParaRPr lang="en-CA"/>
           </a:p>
@@ -4825,7 +5003,7 @@
           <a:p>
             <a:fld id="{A8A916C9-1FB0-45E8-9939-9E19182DD337}" type="datetimeFigureOut">
               <a:rPr lang="en-CA" smtClean="0"/>
-              <a:t>2022-04-01</a:t>
+              <a:t>2022-04-02</a:t>
             </a:fld>
             <a:endParaRPr lang="en-CA"/>
           </a:p>
@@ -5125,7 +5303,7 @@
           <a:p>
             <a:fld id="{A8A916C9-1FB0-45E8-9939-9E19182DD337}" type="datetimeFigureOut">
               <a:rPr lang="en-CA" smtClean="0"/>
-              <a:t>2022-04-01</a:t>
+              <a:t>2022-04-02</a:t>
             </a:fld>
             <a:endParaRPr lang="en-CA"/>
           </a:p>
@@ -5359,7 +5537,7 @@
           <a:p>
             <a:fld id="{A8A916C9-1FB0-45E8-9939-9E19182DD337}" type="datetimeFigureOut">
               <a:rPr lang="en-CA" smtClean="0"/>
-              <a:t>2022-04-01</a:t>
+              <a:t>2022-04-02</a:t>
             </a:fld>
             <a:endParaRPr lang="en-CA"/>
           </a:p>
@@ -6047,7 +6225,7 @@
         </p:nvSpPr>
         <p:spPr>
           <a:xfrm>
-            <a:off x="2155238" y="3799840"/>
+            <a:off x="2155238" y="3018790"/>
             <a:ext cx="8912639" cy="223520"/>
           </a:xfrm>
           <a:prstGeom prst="rect">
@@ -6111,7 +6289,7 @@
         </p:nvGrpSpPr>
         <p:grpSpPr>
           <a:xfrm>
-            <a:off x="1255780" y="3494863"/>
+            <a:off x="1255780" y="2713813"/>
             <a:ext cx="899458" cy="833474"/>
             <a:chOff x="2085300" y="2638425"/>
             <a:chExt cx="1706326" cy="1581150"/>
@@ -6272,7 +6450,7 @@
         </p:nvGrpSpPr>
         <p:grpSpPr>
           <a:xfrm>
-            <a:off x="3073646" y="3494863"/>
+            <a:off x="3073646" y="2713813"/>
             <a:ext cx="899458" cy="833474"/>
             <a:chOff x="2085300" y="2638425"/>
             <a:chExt cx="1706326" cy="1581150"/>
@@ -6433,7 +6611,7 @@
         </p:nvGrpSpPr>
         <p:grpSpPr>
           <a:xfrm>
-            <a:off x="4891512" y="3494863"/>
+            <a:off x="4891512" y="2713813"/>
             <a:ext cx="899458" cy="833474"/>
             <a:chOff x="2085300" y="2638425"/>
             <a:chExt cx="1706326" cy="1581150"/>
@@ -6745,7 +6923,7 @@
         </p:nvGrpSpPr>
         <p:grpSpPr>
           <a:xfrm>
-            <a:off x="6611557" y="3494863"/>
+            <a:off x="6611557" y="2713813"/>
             <a:ext cx="899458" cy="833474"/>
             <a:chOff x="2085300" y="2638425"/>
             <a:chExt cx="1706326" cy="1581150"/>
@@ -6906,7 +7084,7 @@
         </p:nvGrpSpPr>
         <p:grpSpPr>
           <a:xfrm>
-            <a:off x="8595135" y="3494863"/>
+            <a:off x="8595135" y="2713813"/>
             <a:ext cx="899458" cy="833474"/>
             <a:chOff x="2085300" y="2638425"/>
             <a:chExt cx="1706326" cy="1581150"/>
@@ -7067,7 +7245,7 @@
         </p:nvGrpSpPr>
         <p:grpSpPr>
           <a:xfrm>
-            <a:off x="10578713" y="3494863"/>
+            <a:off x="10578713" y="2713813"/>
             <a:ext cx="899458" cy="833474"/>
             <a:chOff x="2085300" y="2638425"/>
             <a:chExt cx="1706326" cy="1581150"/>
@@ -7245,7 +7423,7 @@
         </p:blipFill>
         <p:spPr>
           <a:xfrm>
-            <a:off x="1262699" y="2336524"/>
+            <a:off x="1277641" y="3852264"/>
             <a:ext cx="914400" cy="914400"/>
           </a:xfrm>
           <a:prstGeom prst="rect">
@@ -7284,7 +7462,7 @@
         </p:blipFill>
         <p:spPr>
           <a:xfrm>
-            <a:off x="3073646" y="2336524"/>
+            <a:off x="3088588" y="3852264"/>
             <a:ext cx="914400" cy="914400"/>
           </a:xfrm>
           <a:prstGeom prst="rect">
@@ -7323,7 +7501,7 @@
         </p:blipFill>
         <p:spPr>
           <a:xfrm>
-            <a:off x="4891512" y="2336524"/>
+            <a:off x="4906454" y="3852264"/>
             <a:ext cx="914400" cy="914400"/>
           </a:xfrm>
           <a:prstGeom prst="rect">
@@ -7362,7 +7540,7 @@
         </p:blipFill>
         <p:spPr>
           <a:xfrm>
-            <a:off x="6596615" y="2336524"/>
+            <a:off x="6611557" y="3852264"/>
             <a:ext cx="914400" cy="914400"/>
           </a:xfrm>
           <a:prstGeom prst="rect">
@@ -7401,7 +7579,7 @@
         </p:blipFill>
         <p:spPr>
           <a:xfrm>
-            <a:off x="8595135" y="2336524"/>
+            <a:off x="8610077" y="3852264"/>
             <a:ext cx="914400" cy="914400"/>
           </a:xfrm>
           <a:prstGeom prst="rect">
@@ -7440,7 +7618,7 @@
         </p:blipFill>
         <p:spPr>
           <a:xfrm>
-            <a:off x="10593655" y="2336524"/>
+            <a:off x="10608597" y="3852264"/>
             <a:ext cx="914400" cy="914400"/>
           </a:xfrm>
           <a:prstGeom prst="rect">
@@ -9182,7 +9360,7 @@
         </p:blipFill>
         <p:spPr>
           <a:xfrm>
-            <a:off x="9052733" y="963919"/>
+            <a:off x="9168012" y="4633314"/>
             <a:ext cx="914400" cy="914400"/>
           </a:xfrm>
           <a:prstGeom prst="rect">
@@ -11387,7 +11565,7 @@
         </p:blipFill>
         <p:spPr>
           <a:xfrm>
-            <a:off x="9052733" y="963919"/>
+            <a:off x="9092279" y="4633314"/>
             <a:ext cx="914400" cy="914400"/>
           </a:xfrm>
           <a:prstGeom prst="rect">
@@ -14029,7 +14207,7 @@
         </p:blipFill>
         <p:spPr>
           <a:xfrm>
-            <a:off x="6528850" y="494297"/>
+            <a:off x="6648031" y="5596396"/>
             <a:ext cx="914400" cy="914400"/>
           </a:xfrm>
           <a:prstGeom prst="rect">
@@ -14107,7 +14285,7 @@
         </p:blipFill>
         <p:spPr>
           <a:xfrm>
-            <a:off x="10812559" y="1842862"/>
+            <a:off x="10745137" y="5596396"/>
             <a:ext cx="914400" cy="914400"/>
           </a:xfrm>
           <a:prstGeom prst="rect">
